--- a/EDA Presentation and proposed modeling technique.pptx
+++ b/EDA Presentation and proposed modeling technique.pptx
@@ -126,6 +126,11 @@
       </a:defRPr>
     </a:lvl9pPr>
   </p:defaultTextStyle>
+  <p:extLst>
+    <p:ext uri="{EFAFB233-063F-42B5-8137-9DF3F51BA10A}">
+      <p15:sldGuideLst xmlns:p15="http://schemas.microsoft.com/office/powerpoint/2012/main"/>
+    </p:ext>
+  </p:extLst>
 </p:presentation>
 </file>
 
@@ -211,7 +216,7 @@
           <a:p>
             <a:fld id="{AD8CD5F5-132D-4D44-AE70-750357B10B41}" type="datetimeFigureOut">
               <a:rPr lang="en-US" smtClean="0"/>
-              <a:t>7/2/23</a:t>
+              <a:t>7/14/23</a:t>
             </a:fld>
             <a:endParaRPr lang="en-US"/>
           </a:p>
@@ -617,7 +622,7 @@
           <a:p>
             <a:fld id="{48A87A34-81AB-432B-8DAE-1953F412C126}" type="datetimeFigureOut">
               <a:rPr lang="en-US" dirty="0"/>
-              <a:t>7/2/23</a:t>
+              <a:t>7/14/23</a:t>
             </a:fld>
             <a:endParaRPr lang="en-US" dirty="0"/>
           </a:p>
@@ -823,7 +828,7 @@
           <a:p>
             <a:fld id="{48A87A34-81AB-432B-8DAE-1953F412C126}" type="datetimeFigureOut">
               <a:rPr lang="en-US" dirty="0"/>
-              <a:t>7/2/23</a:t>
+              <a:t>7/14/23</a:t>
             </a:fld>
             <a:endParaRPr lang="en-US" dirty="0"/>
           </a:p>
@@ -1033,7 +1038,7 @@
           <a:p>
             <a:fld id="{48A87A34-81AB-432B-8DAE-1953F412C126}" type="datetimeFigureOut">
               <a:rPr lang="en-US" dirty="0"/>
-              <a:t>7/2/23</a:t>
+              <a:t>7/14/23</a:t>
             </a:fld>
             <a:endParaRPr lang="en-US" dirty="0"/>
           </a:p>
@@ -1229,7 +1234,7 @@
           <a:p>
             <a:fld id="{48A87A34-81AB-432B-8DAE-1953F412C126}" type="datetimeFigureOut">
               <a:rPr lang="en-US" dirty="0"/>
-              <a:t>7/2/23</a:t>
+              <a:t>7/14/23</a:t>
             </a:fld>
             <a:endParaRPr lang="en-US" dirty="0"/>
           </a:p>
@@ -1503,7 +1508,7 @@
           <a:p>
             <a:fld id="{48A87A34-81AB-432B-8DAE-1953F412C126}" type="datetimeFigureOut">
               <a:rPr lang="en-US" dirty="0"/>
-              <a:t>7/2/23</a:t>
+              <a:t>7/14/23</a:t>
             </a:fld>
             <a:endParaRPr lang="en-US" dirty="0"/>
           </a:p>
@@ -1766,7 +1771,7 @@
           <a:p>
             <a:fld id="{48A87A34-81AB-432B-8DAE-1953F412C126}" type="datetimeFigureOut">
               <a:rPr lang="en-US" dirty="0"/>
-              <a:t>7/2/23</a:t>
+              <a:t>7/14/23</a:t>
             </a:fld>
             <a:endParaRPr lang="en-US" dirty="0"/>
           </a:p>
@@ -2177,7 +2182,7 @@
           <a:p>
             <a:fld id="{48A87A34-81AB-432B-8DAE-1953F412C126}" type="datetimeFigureOut">
               <a:rPr lang="en-US" dirty="0"/>
-              <a:t>7/2/23</a:t>
+              <a:t>7/14/23</a:t>
             </a:fld>
             <a:endParaRPr lang="en-US" dirty="0"/>
           </a:p>
@@ -2321,7 +2326,7 @@
           <a:p>
             <a:fld id="{48A87A34-81AB-432B-8DAE-1953F412C126}" type="datetimeFigureOut">
               <a:rPr lang="en-US" dirty="0"/>
-              <a:t>7/2/23</a:t>
+              <a:t>7/14/23</a:t>
             </a:fld>
             <a:endParaRPr lang="en-US" dirty="0"/>
           </a:p>
@@ -2442,7 +2447,7 @@
           <a:p>
             <a:fld id="{48A87A34-81AB-432B-8DAE-1953F412C126}" type="datetimeFigureOut">
               <a:rPr lang="en-US" dirty="0"/>
-              <a:t>7/2/23</a:t>
+              <a:t>7/14/23</a:t>
             </a:fld>
             <a:endParaRPr lang="en-US" dirty="0"/>
           </a:p>
@@ -2688,7 +2693,7 @@
           <a:p>
             <a:fld id="{48A87A34-81AB-432B-8DAE-1953F412C126}" type="datetimeFigureOut">
               <a:rPr lang="en-US" dirty="0"/>
-              <a:t>7/2/23</a:t>
+              <a:t>7/14/23</a:t>
             </a:fld>
             <a:endParaRPr lang="en-US" dirty="0"/>
           </a:p>
@@ -3129,7 +3134,7 @@
             <a:fld id="{48A87A34-81AB-432B-8DAE-1953F412C126}" type="datetimeFigureOut">
               <a:rPr lang="en-US" dirty="0"/>
               <a:pPr/>
-              <a:t>7/2/23</a:t>
+              <a:t>7/14/23</a:t>
             </a:fld>
             <a:endParaRPr lang="en-US" dirty="0"/>
           </a:p>
@@ -3452,7 +3457,7 @@
             <a:fld id="{48A87A34-81AB-432B-8DAE-1953F412C126}" type="datetimeFigureOut">
               <a:rPr lang="en-US" dirty="0"/>
               <a:pPr/>
-              <a:t>7/2/23</a:t>
+              <a:t>7/14/23</a:t>
             </a:fld>
             <a:endParaRPr lang="en-US" dirty="0"/>
           </a:p>
@@ -12825,49 +12830,70 @@
             <p:ph idx="1"/>
           </p:nvPr>
         </p:nvSpPr>
-        <p:spPr/>
+        <p:spPr>
+          <a:xfrm>
+            <a:off x="1451579" y="2015732"/>
+            <a:ext cx="9603275" cy="4037749"/>
+          </a:xfrm>
+        </p:spPr>
         <p:txBody>
           <a:bodyPr>
-            <a:normAutofit lnSpcReduction="10000"/>
+            <a:normAutofit/>
           </a:bodyPr>
           <a:lstStyle/>
           <a:p>
             <a:r>
-              <a:rPr lang="en-US" dirty="0"/>
+              <a:rPr lang="en-US" sz="1600" dirty="0"/>
               <a:t>As we can see Manhattan and Brooklyn has more than 50% of customer </a:t>
             </a:r>
             <a:r>
-              <a:rPr lang="en-US" dirty="0" err="1"/>
+              <a:rPr lang="en-US" sz="1600" dirty="0" err="1"/>
               <a:t>airbnb</a:t>
             </a:r>
             <a:r>
-              <a:rPr lang="en-US" dirty="0"/>
+              <a:rPr lang="en-US" sz="1600" dirty="0"/>
               <a:t> provided in NYC. This two place will be great for business expansion.</a:t>
             </a:r>
           </a:p>
           <a:p>
             <a:r>
-              <a:rPr lang="en-US" dirty="0"/>
+              <a:rPr lang="en-US" sz="1600" dirty="0"/>
               <a:t>New build Airbnb should apt type or private room type as people rent this two types most.</a:t>
             </a:r>
           </a:p>
           <a:p>
             <a:r>
-              <a:rPr lang="en-US" dirty="0"/>
+              <a:rPr lang="en-US" sz="1600" dirty="0"/>
               <a:t>To understand the relation, I recommended to use ML in this data which will give us more precise calculation.</a:t>
             </a:r>
           </a:p>
           <a:p>
             <a:r>
-              <a:rPr lang="en-US" dirty="0"/>
-              <a:t>As for the price and service fees relation need to use leaner regression model.</a:t>
-            </a:r>
-          </a:p>
-          <a:p>
-            <a:r>
-              <a:rPr lang="en-US" dirty="0"/>
-              <a:t>Also </a:t>
-            </a:r>
+              <a:rPr lang="en-US" sz="1600" dirty="0"/>
+              <a:t>As for the price and service fees relation need to use linear regression.</a:t>
+            </a:r>
+          </a:p>
+          <a:p>
+            <a:r>
+              <a:rPr lang="en-US" sz="1600" dirty="0"/>
+              <a:t>For the city based on cancellation policy, Instant bookable option, and room type which price should be set, to know this we can use multiclass regression.</a:t>
+            </a:r>
+          </a:p>
+          <a:p>
+            <a:r>
+              <a:rPr lang="en-US" sz="1600" dirty="0"/>
+              <a:t>For overall analysis of the data and bring the usable price for city decision tree algorithm will </a:t>
+            </a:r>
+            <a:r>
+              <a:rPr lang="en-US" sz="1600"/>
+              <a:t>work well.</a:t>
+            </a:r>
+          </a:p>
+          <a:p>
+            <a:endParaRPr lang="en-US" sz="1600" dirty="0"/>
+          </a:p>
+          <a:p>
+            <a:endParaRPr lang="en-US" dirty="0"/>
           </a:p>
         </p:txBody>
       </p:sp>
